--- a/folien/week1.pptx
+++ b/folien/week1.pptx
@@ -5,7 +5,7 @@
     <p:sldMasterId id="2147483664" r:id="rId1"/>
   </p:sldMasterIdLst>
   <p:notesMasterIdLst>
-    <p:notesMasterId r:id="rId16"/>
+    <p:notesMasterId r:id="rId17"/>
   </p:notesMasterIdLst>
   <p:sldIdLst>
     <p:sldId id="257" r:id="rId2"/>
@@ -20,8 +20,9 @@
     <p:sldId id="269" r:id="rId11"/>
     <p:sldId id="261" r:id="rId12"/>
     <p:sldId id="262" r:id="rId13"/>
-    <p:sldId id="263" r:id="rId14"/>
-    <p:sldId id="270" r:id="rId15"/>
+    <p:sldId id="271" r:id="rId14"/>
+    <p:sldId id="263" r:id="rId15"/>
+    <p:sldId id="270" r:id="rId16"/>
   </p:sldIdLst>
   <p:sldSz cx="9144000" cy="5143500" type="screen16x9"/>
   <p:notesSz cx="6858000" cy="9144000"/>
@@ -137,6 +138,7 @@
             <p14:sldId id="269"/>
             <p14:sldId id="261"/>
             <p14:sldId id="262"/>
+            <p14:sldId id="271"/>
             <p14:sldId id="263"/>
             <p14:sldId id="270"/>
           </p14:sldIdLst>
@@ -3293,7 +3295,7 @@
           <p:nvPr>
             <p:extLst>
               <p:ext uri="{D42A27DB-BD31-4B8C-83A1-F6EECF244321}">
-                <p14:modId xmlns:p14="http://schemas.microsoft.com/office/powerpoint/2010/main" val="2988045585"/>
+                <p14:modId xmlns:p14="http://schemas.microsoft.com/office/powerpoint/2010/main" val="3405233774"/>
               </p:ext>
             </p:extLst>
           </p:nvPr>
@@ -3432,6 +3434,10 @@
                     <a:bodyPr/>
                     <a:lstStyle/>
                     <a:p>
+                      <a:r>
+                        <a:rPr lang="en-US" sz="1200"/>
+                        <a:t>Folien</a:t>
+                      </a:r>
                       <a:endParaRPr lang="en-US" sz="1200" dirty="0"/>
                     </a:p>
                   </a:txBody>
@@ -3954,6 +3960,10 @@
                     <a:bodyPr/>
                     <a:lstStyle/>
                     <a:p>
+                      <a:r>
+                        <a:rPr lang="en-US" sz="1200"/>
+                        <a:t>10</a:t>
+                      </a:r>
                       <a:endParaRPr lang="en-US" sz="1200" dirty="0"/>
                     </a:p>
                   </a:txBody>
@@ -4682,6 +4692,156 @@
           <p:cNvPr id="2" name="Title 1">
             <a:extLst>
               <a:ext uri="{FF2B5EF4-FFF2-40B4-BE49-F238E27FC236}">
+                <a16:creationId xmlns:a16="http://schemas.microsoft.com/office/drawing/2014/main" id="{17F0A889-FFCA-48B9-BA00-A6243B448291}"/>
+              </a:ext>
+            </a:extLst>
+          </p:cNvPr>
+          <p:cNvSpPr>
+            <a:spLocks noGrp="1"/>
+          </p:cNvSpPr>
+          <p:nvPr>
+            <p:ph type="title"/>
+          </p:nvPr>
+        </p:nvSpPr>
+        <p:spPr/>
+        <p:txBody>
+          <a:bodyPr/>
+          <a:lstStyle/>
+          <a:p>
+            <a:r>
+              <a:rPr lang="de-DE" dirty="0"/>
+              <a:t>Ziele der Veranstaltung (Modulhandbuch)</a:t>
+            </a:r>
+            <a:endParaRPr lang="en-US" dirty="0"/>
+          </a:p>
+        </p:txBody>
+      </p:sp>
+      <p:sp>
+        <p:nvSpPr>
+          <p:cNvPr id="3" name="Text Placeholder 2">
+            <a:extLst>
+              <a:ext uri="{FF2B5EF4-FFF2-40B4-BE49-F238E27FC236}">
+                <a16:creationId xmlns:a16="http://schemas.microsoft.com/office/drawing/2014/main" id="{95DC3179-E5AA-448B-868C-B3BA1F529EE5}"/>
+              </a:ext>
+            </a:extLst>
+          </p:cNvPr>
+          <p:cNvSpPr>
+            <a:spLocks noGrp="1"/>
+          </p:cNvSpPr>
+          <p:nvPr>
+            <p:ph type="body" sz="quarter" idx="10"/>
+          </p:nvPr>
+        </p:nvSpPr>
+        <p:spPr/>
+        <p:txBody>
+          <a:bodyPr/>
+          <a:lstStyle/>
+          <a:p>
+            <a:r>
+              <a:rPr lang="de-DE" sz="1800" dirty="0">
+                <a:latin typeface="+mj-lt"/>
+              </a:rPr>
+              <a:t>Inhalt: </a:t>
+            </a:r>
+          </a:p>
+          <a:p>
+            <a:pPr lvl="1">
+              <a:buFont typeface="Arial" panose="020B0604020202020204" pitchFamily="34" charset="0"/>
+              <a:buChar char="•"/>
+            </a:pPr>
+            <a:r>
+              <a:rPr lang="de-DE" sz="1800" dirty="0">
+                <a:latin typeface="+mj-lt"/>
+              </a:rPr>
+              <a:t>Methoden der wissenschaftlichen Textinterpretation (inklusive der Gestaltung von wissenschaftlichen Texten).</a:t>
+            </a:r>
+          </a:p>
+          <a:p>
+            <a:r>
+              <a:rPr lang="de-DE" sz="1800" dirty="0">
+                <a:latin typeface="+mj-lt"/>
+              </a:rPr>
+              <a:t>Kompetenzen: Die Studierenden</a:t>
+            </a:r>
+          </a:p>
+          <a:p>
+            <a:pPr lvl="1">
+              <a:buFont typeface="Arial" panose="020B0604020202020204" pitchFamily="34" charset="0"/>
+              <a:buChar char="•"/>
+            </a:pPr>
+            <a:r>
+              <a:rPr lang="de-DE" sz="1800" dirty="0">
+                <a:latin typeface="+mj-lt"/>
+              </a:rPr>
+              <a:t>sind in der Lage, in begründeter Form wissenschaftliches Wissen von Alltagswissen zu unterscheiden,</a:t>
+            </a:r>
+          </a:p>
+          <a:p>
+            <a:pPr lvl="1">
+              <a:buFont typeface="Arial" panose="020B0604020202020204" pitchFamily="34" charset="0"/>
+              <a:buChar char="•"/>
+            </a:pPr>
+            <a:r>
+              <a:rPr lang="de-DE" sz="1800" dirty="0">
+                <a:latin typeface="+mj-lt"/>
+              </a:rPr>
+              <a:t>können basale Techniken des wissenschaftlichen Arbeitens anwenden und kennen die Regeln des Umgangs mit wissenschaftlichen Texten,</a:t>
+            </a:r>
+          </a:p>
+          <a:p>
+            <a:pPr lvl="1">
+              <a:buFont typeface="Arial" panose="020B0604020202020204" pitchFamily="34" charset="0"/>
+              <a:buChar char="•"/>
+            </a:pPr>
+            <a:r>
+              <a:rPr lang="de-DE" sz="1800" dirty="0">
+                <a:latin typeface="+mj-lt"/>
+              </a:rPr>
+              <a:t>können wissenschaftliche Texte lesen, analysieren und die Ergebnisse der Analyse in eine angemessene schriftliche Form bringen.</a:t>
+            </a:r>
+          </a:p>
+          <a:p>
+            <a:endParaRPr lang="en-US" sz="1800" dirty="0">
+              <a:latin typeface="+mj-lt"/>
+            </a:endParaRPr>
+          </a:p>
+        </p:txBody>
+      </p:sp>
+    </p:spTree>
+    <p:extLst>
+      <p:ext uri="{BB962C8B-B14F-4D97-AF65-F5344CB8AC3E}">
+        <p14:creationId xmlns:p14="http://schemas.microsoft.com/office/powerpoint/2010/main" val="2494506631"/>
+      </p:ext>
+    </p:extLst>
+  </p:cSld>
+  <p:clrMapOvr>
+    <a:masterClrMapping/>
+  </p:clrMapOvr>
+</p:sld>
+</file>
+
+<file path=ppt/slides/slide14.xml><?xml version="1.0" encoding="utf-8"?>
+<p:sld xmlns:a="http://schemas.openxmlformats.org/drawingml/2006/main" xmlns:r="http://schemas.openxmlformats.org/officeDocument/2006/relationships" xmlns:p="http://schemas.openxmlformats.org/presentationml/2006/main">
+  <p:cSld>
+    <p:spTree>
+      <p:nvGrpSpPr>
+        <p:cNvPr id="1" name=""/>
+        <p:cNvGrpSpPr/>
+        <p:nvPr/>
+      </p:nvGrpSpPr>
+      <p:grpSpPr>
+        <a:xfrm>
+          <a:off x="0" y="0"/>
+          <a:ext cx="0" cy="0"/>
+          <a:chOff x="0" y="0"/>
+          <a:chExt cx="0" cy="0"/>
+        </a:xfrm>
+      </p:grpSpPr>
+      <p:sp>
+        <p:nvSpPr>
+          <p:cNvPr id="2" name="Title 1">
+            <a:extLst>
+              <a:ext uri="{FF2B5EF4-FFF2-40B4-BE49-F238E27FC236}">
                 <a16:creationId xmlns:a16="http://schemas.microsoft.com/office/drawing/2014/main" id="{8C86C9AD-2D1D-4A85-9B58-0C8E44404F1C}"/>
               </a:ext>
             </a:extLst>
@@ -4762,7 +4922,7 @@
 </p:sld>
 </file>
 
-<file path=ppt/slides/slide14.xml><?xml version="1.0" encoding="utf-8"?>
+<file path=ppt/slides/slide15.xml><?xml version="1.0" encoding="utf-8"?>
 <p:sld xmlns:a="http://schemas.openxmlformats.org/drawingml/2006/main" xmlns:r="http://schemas.openxmlformats.org/officeDocument/2006/relationships" xmlns:p="http://schemas.openxmlformats.org/presentationml/2006/main">
   <p:cSld>
     <p:spTree>

--- a/folien/week1.pptx
+++ b/folien/week1.pptx
@@ -12,16 +12,16 @@
     <p:sldId id="258" r:id="rId3"/>
     <p:sldId id="259" r:id="rId4"/>
     <p:sldId id="260" r:id="rId5"/>
-    <p:sldId id="265" r:id="rId6"/>
-    <p:sldId id="266" r:id="rId7"/>
-    <p:sldId id="267" r:id="rId8"/>
-    <p:sldId id="268" r:id="rId9"/>
-    <p:sldId id="264" r:id="rId10"/>
-    <p:sldId id="269" r:id="rId11"/>
-    <p:sldId id="261" r:id="rId12"/>
-    <p:sldId id="262" r:id="rId13"/>
-    <p:sldId id="271" r:id="rId14"/>
-    <p:sldId id="263" r:id="rId15"/>
+    <p:sldId id="262" r:id="rId6"/>
+    <p:sldId id="265" r:id="rId7"/>
+    <p:sldId id="266" r:id="rId8"/>
+    <p:sldId id="267" r:id="rId9"/>
+    <p:sldId id="268" r:id="rId10"/>
+    <p:sldId id="264" r:id="rId11"/>
+    <p:sldId id="269" r:id="rId12"/>
+    <p:sldId id="261" r:id="rId13"/>
+    <p:sldId id="263" r:id="rId14"/>
+    <p:sldId id="271" r:id="rId15"/>
     <p:sldId id="270" r:id="rId16"/>
   </p:sldIdLst>
   <p:sldSz cx="9144000" cy="5143500" type="screen16x9"/>
@@ -130,6 +130,7 @@
             <p14:sldId id="258"/>
             <p14:sldId id="259"/>
             <p14:sldId id="260"/>
+            <p14:sldId id="262"/>
             <p14:sldId id="265"/>
             <p14:sldId id="266"/>
             <p14:sldId id="267"/>
@@ -137,9 +138,8 @@
             <p14:sldId id="264"/>
             <p14:sldId id="269"/>
             <p14:sldId id="261"/>
-            <p14:sldId id="262"/>
+            <p14:sldId id="263"/>
             <p14:sldId id="271"/>
-            <p14:sldId id="263"/>
             <p14:sldId id="270"/>
           </p14:sldIdLst>
         </p14:section>
@@ -245,7 +245,7 @@
           <a:p>
             <a:fld id="{21C000D9-2858-4F4C-AF5C-64F79A7C2410}" type="datetimeFigureOut">
               <a:rPr lang="en-US" smtClean="0"/>
-              <a:t>4/13/2021</a:t>
+              <a:t>4/14/2021</a:t>
             </a:fld>
             <a:endParaRPr lang="en-US"/>
           </a:p>
@@ -3178,6 +3178,201 @@
           <p:cNvPr id="2" name="Title 1">
             <a:extLst>
               <a:ext uri="{FF2B5EF4-FFF2-40B4-BE49-F238E27FC236}">
+                <a16:creationId xmlns:a16="http://schemas.microsoft.com/office/drawing/2014/main" id="{ADD39CE0-5EB7-4FD8-B75E-7DD311B9F003}"/>
+              </a:ext>
+            </a:extLst>
+          </p:cNvPr>
+          <p:cNvSpPr>
+            <a:spLocks noGrp="1"/>
+          </p:cNvSpPr>
+          <p:nvPr>
+            <p:ph type="title"/>
+          </p:nvPr>
+        </p:nvSpPr>
+        <p:spPr/>
+        <p:txBody>
+          <a:bodyPr/>
+          <a:lstStyle/>
+          <a:p>
+            <a:r>
+              <a:rPr lang="de-DE" dirty="0"/>
+              <a:t>Definition Wissenschaftliche Forschung</a:t>
+            </a:r>
+            <a:endParaRPr lang="en-US" dirty="0"/>
+          </a:p>
+        </p:txBody>
+      </p:sp>
+      <p:sp>
+        <p:nvSpPr>
+          <p:cNvPr id="3" name="Text Placeholder 2">
+            <a:extLst>
+              <a:ext uri="{FF2B5EF4-FFF2-40B4-BE49-F238E27FC236}">
+                <a16:creationId xmlns:a16="http://schemas.microsoft.com/office/drawing/2014/main" id="{66DD6443-9856-4258-97D5-C2081C696FD7}"/>
+              </a:ext>
+            </a:extLst>
+          </p:cNvPr>
+          <p:cNvSpPr>
+            <a:spLocks noGrp="1"/>
+          </p:cNvSpPr>
+          <p:nvPr>
+            <p:ph type="body" sz="quarter" idx="10"/>
+          </p:nvPr>
+        </p:nvSpPr>
+        <p:spPr/>
+        <p:txBody>
+          <a:bodyPr/>
+          <a:lstStyle/>
+          <a:p>
+            <a:pPr marL="0" indent="0">
+              <a:buNone/>
+            </a:pPr>
+            <a:r>
+              <a:rPr lang="de-DE" sz="1800" dirty="0"/>
+              <a:t>„Wer wissenschaftliche Forschung betreibt, sucht mithilfe </a:t>
+            </a:r>
+            <a:r>
+              <a:rPr lang="de-DE" sz="1800" dirty="0">
+                <a:solidFill>
+                  <a:schemeClr val="tx2"/>
+                </a:solidFill>
+              </a:rPr>
+              <a:t>anerkannter wissenschaftlicher Methoden </a:t>
+            </a:r>
+            <a:r>
+              <a:rPr lang="de-DE" sz="1800" dirty="0"/>
+              <a:t>und Methodologie auf der Basis des bisherigen </a:t>
+            </a:r>
+            <a:r>
+              <a:rPr lang="de-DE" sz="1800" dirty="0">
+                <a:solidFill>
+                  <a:schemeClr val="tx2"/>
+                </a:solidFill>
+              </a:rPr>
+              <a:t>Forschungsstandes </a:t>
+            </a:r>
+            <a:r>
+              <a:rPr lang="de-DE" sz="1800" dirty="0"/>
+              <a:t>(d.h. vorliegender Theorien und empirischer Befunde) </a:t>
+            </a:r>
+            <a:r>
+              <a:rPr lang="de-DE" sz="1800" dirty="0">
+                <a:solidFill>
+                  <a:schemeClr val="tx2"/>
+                </a:solidFill>
+              </a:rPr>
+              <a:t>zielgerichtet</a:t>
+            </a:r>
+            <a:r>
+              <a:rPr lang="de-DE" sz="1800" dirty="0"/>
+              <a:t> nach gesicherten </a:t>
+            </a:r>
+            <a:r>
+              <a:rPr lang="de-DE" sz="1800" dirty="0">
+                <a:solidFill>
+                  <a:schemeClr val="tx2"/>
+                </a:solidFill>
+              </a:rPr>
+              <a:t>neuen Erkenntnissen</a:t>
+            </a:r>
+            <a:r>
+              <a:rPr lang="de-DE" sz="1800" dirty="0"/>
+              <a:t>, </a:t>
+            </a:r>
+            <a:r>
+              <a:rPr lang="de-DE" sz="1800" dirty="0">
+                <a:solidFill>
+                  <a:schemeClr val="tx2"/>
+                </a:solidFill>
+              </a:rPr>
+              <a:t>dokumentiert</a:t>
+            </a:r>
+            <a:r>
+              <a:rPr lang="de-DE" sz="1800" dirty="0"/>
+              <a:t> den Forschungsprozess sowie dessen Ergebnisse in </a:t>
+            </a:r>
+            <a:r>
+              <a:rPr lang="de-DE" sz="1800" dirty="0">
+                <a:solidFill>
+                  <a:schemeClr val="tx2"/>
+                </a:solidFill>
+              </a:rPr>
+              <a:t>nachvollziehbarer</a:t>
+            </a:r>
+            <a:r>
+              <a:rPr lang="de-DE" sz="1800" dirty="0"/>
+              <a:t> Weise und stellt die Studien in </a:t>
+            </a:r>
+            <a:r>
+              <a:rPr lang="de-DE" sz="1800" dirty="0">
+                <a:solidFill>
+                  <a:schemeClr val="tx2"/>
+                </a:solidFill>
+              </a:rPr>
+              <a:t>Vorträgen</a:t>
+            </a:r>
+            <a:r>
+              <a:rPr lang="de-DE" sz="1800" dirty="0"/>
+              <a:t> und </a:t>
+            </a:r>
+            <a:r>
+              <a:rPr lang="de-DE" sz="1800" dirty="0">
+                <a:solidFill>
+                  <a:schemeClr val="tx2"/>
+                </a:solidFill>
+              </a:rPr>
+              <a:t>Publikationen</a:t>
+            </a:r>
+            <a:r>
+              <a:rPr lang="de-DE" sz="1800" dirty="0"/>
+              <a:t> der Fachöffentlichkeit vor“</a:t>
+            </a:r>
+          </a:p>
+          <a:p>
+            <a:pPr marL="0" indent="0" algn="r">
+              <a:buNone/>
+            </a:pPr>
+            <a:r>
+              <a:rPr lang="de-DE" sz="1400" dirty="0"/>
+              <a:t>Döring &amp; Bortz, 2016, S. 7</a:t>
+            </a:r>
+          </a:p>
+        </p:txBody>
+      </p:sp>
+    </p:spTree>
+    <p:extLst>
+      <p:ext uri="{BB962C8B-B14F-4D97-AF65-F5344CB8AC3E}">
+        <p14:creationId xmlns:p14="http://schemas.microsoft.com/office/powerpoint/2010/main" val="1345230961"/>
+      </p:ext>
+    </p:extLst>
+  </p:cSld>
+  <p:clrMapOvr>
+    <a:masterClrMapping/>
+  </p:clrMapOvr>
+</p:sld>
+</file>
+
+<file path=ppt/slides/slide11.xml><?xml version="1.0" encoding="utf-8"?>
+<p:sld xmlns:a="http://schemas.openxmlformats.org/drawingml/2006/main" xmlns:r="http://schemas.openxmlformats.org/officeDocument/2006/relationships" xmlns:p="http://schemas.openxmlformats.org/presentationml/2006/main">
+  <p:cSld>
+    <p:spTree>
+      <p:nvGrpSpPr>
+        <p:cNvPr id="1" name=""/>
+        <p:cNvGrpSpPr/>
+        <p:nvPr/>
+      </p:nvGrpSpPr>
+      <p:grpSpPr>
+        <a:xfrm>
+          <a:off x="0" y="0"/>
+          <a:ext cx="0" cy="0"/>
+          <a:chOff x="0" y="0"/>
+          <a:chExt cx="0" cy="0"/>
+        </a:xfrm>
+      </p:grpSpPr>
+      <p:sp>
+        <p:nvSpPr>
+          <p:cNvPr id="2" name="Title 1">
+            <a:extLst>
+              <a:ext uri="{FF2B5EF4-FFF2-40B4-BE49-F238E27FC236}">
                 <a16:creationId xmlns:a16="http://schemas.microsoft.com/office/drawing/2014/main" id="{2FC88A0D-08C2-49A5-8EED-5418708EEE62}"/>
               </a:ext>
             </a:extLst>
@@ -3245,6 +3440,22 @@
             </a:r>
             <a:r>
               <a:rPr lang="en-US" dirty="0"/>
+              <a:t>, </a:t>
+            </a:r>
+            <a:r>
+              <a:rPr lang="en-US" dirty="0" err="1"/>
+              <a:t>theoretisch</a:t>
+            </a:r>
+            <a:r>
+              <a:rPr lang="en-US" dirty="0"/>
+              <a:t>, </a:t>
+            </a:r>
+            <a:r>
+              <a:rPr lang="en-US" dirty="0" err="1"/>
+              <a:t>filosofisch</a:t>
+            </a:r>
+            <a:r>
+              <a:rPr lang="en-US" dirty="0"/>
               <a:t>, … ?</a:t>
             </a:r>
           </a:p>
@@ -3263,7 +3474,7 @@
 </p:sld>
 </file>
 
-<file path=ppt/slides/slide11.xml><?xml version="1.0" encoding="utf-8"?>
+<file path=ppt/slides/slide12.xml><?xml version="1.0" encoding="utf-8"?>
 <p:sld xmlns:a="http://schemas.openxmlformats.org/drawingml/2006/main" xmlns:r="http://schemas.openxmlformats.org/officeDocument/2006/relationships" xmlns:p="http://schemas.openxmlformats.org/presentationml/2006/main">
   <p:cSld>
     <p:spTree>
@@ -3295,7 +3506,7 @@
           <p:nvPr>
             <p:extLst>
               <p:ext uri="{D42A27DB-BD31-4B8C-83A1-F6EECF244321}">
-                <p14:modId xmlns:p14="http://schemas.microsoft.com/office/powerpoint/2010/main" val="3405233774"/>
+                <p14:modId xmlns:p14="http://schemas.microsoft.com/office/powerpoint/2010/main" val="1826869073"/>
               </p:ext>
             </p:extLst>
           </p:nvPr>
@@ -4106,7 +4317,31 @@
                     <a:bodyPr/>
                     <a:lstStyle/>
                     <a:p>
-                      <a:endParaRPr lang="en-US" sz="1200" dirty="0"/>
+                      <a:pPr marL="0" marR="0" lvl="0" indent="0" algn="l" defTabSz="914400" rtl="0" eaLnBrk="1" fontAlgn="auto" latinLnBrk="0" hangingPunct="1">
+                        <a:lnSpc>
+                          <a:spcPct val="100000"/>
+                        </a:lnSpc>
+                        <a:spcBef>
+                          <a:spcPts val="0"/>
+                        </a:spcBef>
+                        <a:spcAft>
+                          <a:spcPts val="0"/>
+                        </a:spcAft>
+                        <a:buClrTx/>
+                        <a:buSzTx/>
+                        <a:buFontTx/>
+                        <a:buNone/>
+                        <a:tabLst/>
+                        <a:defRPr/>
+                      </a:pPr>
+                      <a:r>
+                        <a:rPr lang="en-US" sz="1200" dirty="0" err="1"/>
+                        <a:t>Vorleistung</a:t>
+                      </a:r>
+                      <a:r>
+                        <a:rPr lang="en-US" sz="1200" dirty="0"/>
+                        <a:t> 3</a:t>
+                      </a:r>
                     </a:p>
                   </a:txBody>
                   <a:tcPr marL="76318" marR="76318" marT="38159" marB="38159"/>
@@ -4350,7 +4585,31 @@
                     <a:bodyPr/>
                     <a:lstStyle/>
                     <a:p>
-                      <a:endParaRPr lang="en-US" sz="1200" dirty="0"/>
+                      <a:pPr marL="0" marR="0" lvl="0" indent="0" algn="l" defTabSz="914400" rtl="0" eaLnBrk="1" fontAlgn="auto" latinLnBrk="0" hangingPunct="1">
+                        <a:lnSpc>
+                          <a:spcPct val="100000"/>
+                        </a:lnSpc>
+                        <a:spcBef>
+                          <a:spcPts val="0"/>
+                        </a:spcBef>
+                        <a:spcAft>
+                          <a:spcPts val="0"/>
+                        </a:spcAft>
+                        <a:buClrTx/>
+                        <a:buSzTx/>
+                        <a:buFontTx/>
+                        <a:buNone/>
+                        <a:tabLst/>
+                        <a:defRPr/>
+                      </a:pPr>
+                      <a:r>
+                        <a:rPr lang="en-US" sz="1200" dirty="0" err="1"/>
+                        <a:t>Vorleistung</a:t>
+                      </a:r>
+                      <a:r>
+                        <a:rPr lang="en-US" sz="1200" dirty="0"/>
+                        <a:t> 4</a:t>
+                      </a:r>
                     </a:p>
                   </a:txBody>
                   <a:tcPr marL="76318" marR="76318" marT="38159" marB="38159"/>
@@ -4520,307 +4779,7 @@
 </p:sld>
 </file>
 
-<file path=ppt/slides/slide12.xml><?xml version="1.0" encoding="utf-8"?>
-<p:sld xmlns:a="http://schemas.openxmlformats.org/drawingml/2006/main" xmlns:r="http://schemas.openxmlformats.org/officeDocument/2006/relationships" xmlns:p="http://schemas.openxmlformats.org/presentationml/2006/main">
-  <p:cSld>
-    <p:spTree>
-      <p:nvGrpSpPr>
-        <p:cNvPr id="1" name=""/>
-        <p:cNvGrpSpPr/>
-        <p:nvPr/>
-      </p:nvGrpSpPr>
-      <p:grpSpPr>
-        <a:xfrm>
-          <a:off x="0" y="0"/>
-          <a:ext cx="0" cy="0"/>
-          <a:chOff x="0" y="0"/>
-          <a:chExt cx="0" cy="0"/>
-        </a:xfrm>
-      </p:grpSpPr>
-      <p:sp>
-        <p:nvSpPr>
-          <p:cNvPr id="2" name="Title 1">
-            <a:extLst>
-              <a:ext uri="{FF2B5EF4-FFF2-40B4-BE49-F238E27FC236}">
-                <a16:creationId xmlns:a16="http://schemas.microsoft.com/office/drawing/2014/main" id="{17F0A889-FFCA-48B9-BA00-A6243B448291}"/>
-              </a:ext>
-            </a:extLst>
-          </p:cNvPr>
-          <p:cNvSpPr>
-            <a:spLocks noGrp="1"/>
-          </p:cNvSpPr>
-          <p:nvPr>
-            <p:ph type="title"/>
-          </p:nvPr>
-        </p:nvSpPr>
-        <p:spPr/>
-        <p:txBody>
-          <a:bodyPr/>
-          <a:lstStyle/>
-          <a:p>
-            <a:r>
-              <a:rPr lang="de-DE" dirty="0"/>
-              <a:t>Ziele der Veranstaltung (Modulhandbuch)</a:t>
-            </a:r>
-            <a:endParaRPr lang="en-US" dirty="0"/>
-          </a:p>
-        </p:txBody>
-      </p:sp>
-      <p:sp>
-        <p:nvSpPr>
-          <p:cNvPr id="3" name="Text Placeholder 2">
-            <a:extLst>
-              <a:ext uri="{FF2B5EF4-FFF2-40B4-BE49-F238E27FC236}">
-                <a16:creationId xmlns:a16="http://schemas.microsoft.com/office/drawing/2014/main" id="{95DC3179-E5AA-448B-868C-B3BA1F529EE5}"/>
-              </a:ext>
-            </a:extLst>
-          </p:cNvPr>
-          <p:cNvSpPr>
-            <a:spLocks noGrp="1"/>
-          </p:cNvSpPr>
-          <p:nvPr>
-            <p:ph type="body" sz="quarter" idx="10"/>
-          </p:nvPr>
-        </p:nvSpPr>
-        <p:spPr/>
-        <p:txBody>
-          <a:bodyPr/>
-          <a:lstStyle/>
-          <a:p>
-            <a:r>
-              <a:rPr lang="de-DE" sz="1800" dirty="0">
-                <a:latin typeface="+mj-lt"/>
-              </a:rPr>
-              <a:t>Inhalt: </a:t>
-            </a:r>
-          </a:p>
-          <a:p>
-            <a:pPr lvl="1">
-              <a:buFont typeface="Arial" panose="020B0604020202020204" pitchFamily="34" charset="0"/>
-              <a:buChar char="•"/>
-            </a:pPr>
-            <a:r>
-              <a:rPr lang="de-DE" sz="1800" dirty="0">
-                <a:latin typeface="+mj-lt"/>
-              </a:rPr>
-              <a:t>Methoden der wissenschaftlichen Textinterpretation (inklusive der Gestaltung von wissenschaftlichen Texten).</a:t>
-            </a:r>
-          </a:p>
-          <a:p>
-            <a:r>
-              <a:rPr lang="de-DE" sz="1800" dirty="0">
-                <a:latin typeface="+mj-lt"/>
-              </a:rPr>
-              <a:t>Kompetenzen: Die Studierenden</a:t>
-            </a:r>
-          </a:p>
-          <a:p>
-            <a:pPr lvl="1">
-              <a:buFont typeface="Arial" panose="020B0604020202020204" pitchFamily="34" charset="0"/>
-              <a:buChar char="•"/>
-            </a:pPr>
-            <a:r>
-              <a:rPr lang="de-DE" sz="1800" dirty="0">
-                <a:latin typeface="+mj-lt"/>
-              </a:rPr>
-              <a:t>sind in der Lage, in begründeter Form wissenschaftliches Wissen von Alltagswissen zu unterscheiden,</a:t>
-            </a:r>
-          </a:p>
-          <a:p>
-            <a:pPr lvl="1">
-              <a:buFont typeface="Arial" panose="020B0604020202020204" pitchFamily="34" charset="0"/>
-              <a:buChar char="•"/>
-            </a:pPr>
-            <a:r>
-              <a:rPr lang="de-DE" sz="1800" dirty="0">
-                <a:latin typeface="+mj-lt"/>
-              </a:rPr>
-              <a:t>können basale Techniken des wissenschaftlichen Arbeitens anwenden und kennen die Regeln des Umgangs mit wissenschaftlichen Texten,</a:t>
-            </a:r>
-          </a:p>
-          <a:p>
-            <a:pPr lvl="1">
-              <a:buFont typeface="Arial" panose="020B0604020202020204" pitchFamily="34" charset="0"/>
-              <a:buChar char="•"/>
-            </a:pPr>
-            <a:r>
-              <a:rPr lang="de-DE" sz="1800" dirty="0">
-                <a:latin typeface="+mj-lt"/>
-              </a:rPr>
-              <a:t>können wissenschaftliche Texte lesen, analysieren und die Ergebnisse der Analyse in eine angemessene schriftliche Form bringen.</a:t>
-            </a:r>
-          </a:p>
-          <a:p>
-            <a:endParaRPr lang="en-US" sz="1800" dirty="0">
-              <a:latin typeface="+mj-lt"/>
-            </a:endParaRPr>
-          </a:p>
-        </p:txBody>
-      </p:sp>
-    </p:spTree>
-    <p:extLst>
-      <p:ext uri="{BB962C8B-B14F-4D97-AF65-F5344CB8AC3E}">
-        <p14:creationId xmlns:p14="http://schemas.microsoft.com/office/powerpoint/2010/main" val="3226607736"/>
-      </p:ext>
-    </p:extLst>
-  </p:cSld>
-  <p:clrMapOvr>
-    <a:masterClrMapping/>
-  </p:clrMapOvr>
-</p:sld>
-</file>
-
 <file path=ppt/slides/slide13.xml><?xml version="1.0" encoding="utf-8"?>
-<p:sld xmlns:a="http://schemas.openxmlformats.org/drawingml/2006/main" xmlns:r="http://schemas.openxmlformats.org/officeDocument/2006/relationships" xmlns:p="http://schemas.openxmlformats.org/presentationml/2006/main">
-  <p:cSld>
-    <p:spTree>
-      <p:nvGrpSpPr>
-        <p:cNvPr id="1" name=""/>
-        <p:cNvGrpSpPr/>
-        <p:nvPr/>
-      </p:nvGrpSpPr>
-      <p:grpSpPr>
-        <a:xfrm>
-          <a:off x="0" y="0"/>
-          <a:ext cx="0" cy="0"/>
-          <a:chOff x="0" y="0"/>
-          <a:chExt cx="0" cy="0"/>
-        </a:xfrm>
-      </p:grpSpPr>
-      <p:sp>
-        <p:nvSpPr>
-          <p:cNvPr id="2" name="Title 1">
-            <a:extLst>
-              <a:ext uri="{FF2B5EF4-FFF2-40B4-BE49-F238E27FC236}">
-                <a16:creationId xmlns:a16="http://schemas.microsoft.com/office/drawing/2014/main" id="{17F0A889-FFCA-48B9-BA00-A6243B448291}"/>
-              </a:ext>
-            </a:extLst>
-          </p:cNvPr>
-          <p:cNvSpPr>
-            <a:spLocks noGrp="1"/>
-          </p:cNvSpPr>
-          <p:nvPr>
-            <p:ph type="title"/>
-          </p:nvPr>
-        </p:nvSpPr>
-        <p:spPr/>
-        <p:txBody>
-          <a:bodyPr/>
-          <a:lstStyle/>
-          <a:p>
-            <a:r>
-              <a:rPr lang="de-DE" dirty="0"/>
-              <a:t>Ziele der Veranstaltung (Modulhandbuch)</a:t>
-            </a:r>
-            <a:endParaRPr lang="en-US" dirty="0"/>
-          </a:p>
-        </p:txBody>
-      </p:sp>
-      <p:sp>
-        <p:nvSpPr>
-          <p:cNvPr id="3" name="Text Placeholder 2">
-            <a:extLst>
-              <a:ext uri="{FF2B5EF4-FFF2-40B4-BE49-F238E27FC236}">
-                <a16:creationId xmlns:a16="http://schemas.microsoft.com/office/drawing/2014/main" id="{95DC3179-E5AA-448B-868C-B3BA1F529EE5}"/>
-              </a:ext>
-            </a:extLst>
-          </p:cNvPr>
-          <p:cNvSpPr>
-            <a:spLocks noGrp="1"/>
-          </p:cNvSpPr>
-          <p:nvPr>
-            <p:ph type="body" sz="quarter" idx="10"/>
-          </p:nvPr>
-        </p:nvSpPr>
-        <p:spPr/>
-        <p:txBody>
-          <a:bodyPr/>
-          <a:lstStyle/>
-          <a:p>
-            <a:r>
-              <a:rPr lang="de-DE" sz="1800" dirty="0">
-                <a:latin typeface="+mj-lt"/>
-              </a:rPr>
-              <a:t>Inhalt: </a:t>
-            </a:r>
-          </a:p>
-          <a:p>
-            <a:pPr lvl="1">
-              <a:buFont typeface="Arial" panose="020B0604020202020204" pitchFamily="34" charset="0"/>
-              <a:buChar char="•"/>
-            </a:pPr>
-            <a:r>
-              <a:rPr lang="de-DE" sz="1800" dirty="0">
-                <a:latin typeface="+mj-lt"/>
-              </a:rPr>
-              <a:t>Methoden der wissenschaftlichen Textinterpretation (inklusive der Gestaltung von wissenschaftlichen Texten).</a:t>
-            </a:r>
-          </a:p>
-          <a:p>
-            <a:r>
-              <a:rPr lang="de-DE" sz="1800" dirty="0">
-                <a:latin typeface="+mj-lt"/>
-              </a:rPr>
-              <a:t>Kompetenzen: Die Studierenden</a:t>
-            </a:r>
-          </a:p>
-          <a:p>
-            <a:pPr lvl="1">
-              <a:buFont typeface="Arial" panose="020B0604020202020204" pitchFamily="34" charset="0"/>
-              <a:buChar char="•"/>
-            </a:pPr>
-            <a:r>
-              <a:rPr lang="de-DE" sz="1800" dirty="0">
-                <a:latin typeface="+mj-lt"/>
-              </a:rPr>
-              <a:t>sind in der Lage, in begründeter Form wissenschaftliches Wissen von Alltagswissen zu unterscheiden,</a:t>
-            </a:r>
-          </a:p>
-          <a:p>
-            <a:pPr lvl="1">
-              <a:buFont typeface="Arial" panose="020B0604020202020204" pitchFamily="34" charset="0"/>
-              <a:buChar char="•"/>
-            </a:pPr>
-            <a:r>
-              <a:rPr lang="de-DE" sz="1800" dirty="0">
-                <a:latin typeface="+mj-lt"/>
-              </a:rPr>
-              <a:t>können basale Techniken des wissenschaftlichen Arbeitens anwenden und kennen die Regeln des Umgangs mit wissenschaftlichen Texten,</a:t>
-            </a:r>
-          </a:p>
-          <a:p>
-            <a:pPr lvl="1">
-              <a:buFont typeface="Arial" panose="020B0604020202020204" pitchFamily="34" charset="0"/>
-              <a:buChar char="•"/>
-            </a:pPr>
-            <a:r>
-              <a:rPr lang="de-DE" sz="1800" dirty="0">
-                <a:latin typeface="+mj-lt"/>
-              </a:rPr>
-              <a:t>können wissenschaftliche Texte lesen, analysieren und die Ergebnisse der Analyse in eine angemessene schriftliche Form bringen.</a:t>
-            </a:r>
-          </a:p>
-          <a:p>
-            <a:endParaRPr lang="en-US" sz="1800" dirty="0">
-              <a:latin typeface="+mj-lt"/>
-            </a:endParaRPr>
-          </a:p>
-        </p:txBody>
-      </p:sp>
-    </p:spTree>
-    <p:extLst>
-      <p:ext uri="{BB962C8B-B14F-4D97-AF65-F5344CB8AC3E}">
-        <p14:creationId xmlns:p14="http://schemas.microsoft.com/office/powerpoint/2010/main" val="2494506631"/>
-      </p:ext>
-    </p:extLst>
-  </p:cSld>
-  <p:clrMapOvr>
-    <a:masterClrMapping/>
-  </p:clrMapOvr>
-</p:sld>
-</file>
-
-<file path=ppt/slides/slide14.xml><?xml version="1.0" encoding="utf-8"?>
 <p:sld xmlns:a="http://schemas.openxmlformats.org/drawingml/2006/main" xmlns:r="http://schemas.openxmlformats.org/officeDocument/2006/relationships" xmlns:p="http://schemas.openxmlformats.org/presentationml/2006/main">
   <p:cSld>
     <p:spTree>
@@ -4913,6 +4872,107 @@
     <p:extLst>
       <p:ext uri="{BB962C8B-B14F-4D97-AF65-F5344CB8AC3E}">
         <p14:creationId xmlns:p14="http://schemas.microsoft.com/office/powerpoint/2010/main" val="1568292325"/>
+      </p:ext>
+    </p:extLst>
+  </p:cSld>
+  <p:clrMapOvr>
+    <a:masterClrMapping/>
+  </p:clrMapOvr>
+</p:sld>
+</file>
+
+<file path=ppt/slides/slide14.xml><?xml version="1.0" encoding="utf-8"?>
+<p:sld xmlns:a="http://schemas.openxmlformats.org/drawingml/2006/main" xmlns:r="http://schemas.openxmlformats.org/officeDocument/2006/relationships" xmlns:p="http://schemas.openxmlformats.org/presentationml/2006/main">
+  <p:cSld>
+    <p:spTree>
+      <p:nvGrpSpPr>
+        <p:cNvPr id="1" name=""/>
+        <p:cNvGrpSpPr/>
+        <p:nvPr/>
+      </p:nvGrpSpPr>
+      <p:grpSpPr>
+        <a:xfrm>
+          <a:off x="0" y="0"/>
+          <a:ext cx="0" cy="0"/>
+          <a:chOff x="0" y="0"/>
+          <a:chExt cx="0" cy="0"/>
+        </a:xfrm>
+      </p:grpSpPr>
+      <p:sp>
+        <p:nvSpPr>
+          <p:cNvPr id="2" name="Title 1">
+            <a:extLst>
+              <a:ext uri="{FF2B5EF4-FFF2-40B4-BE49-F238E27FC236}">
+                <a16:creationId xmlns:a16="http://schemas.microsoft.com/office/drawing/2014/main" id="{3169E4B1-F5AC-426C-9F69-7CA5BF59EC4A}"/>
+              </a:ext>
+            </a:extLst>
+          </p:cNvPr>
+          <p:cNvSpPr>
+            <a:spLocks noGrp="1"/>
+          </p:cNvSpPr>
+          <p:nvPr>
+            <p:ph type="title"/>
+          </p:nvPr>
+        </p:nvSpPr>
+        <p:spPr/>
+        <p:txBody>
+          <a:bodyPr/>
+          <a:lstStyle/>
+          <a:p>
+            <a:r>
+              <a:rPr lang="de-DE" dirty="0"/>
+              <a:t>Seminarleistung</a:t>
+            </a:r>
+          </a:p>
+        </p:txBody>
+      </p:sp>
+      <p:sp>
+        <p:nvSpPr>
+          <p:cNvPr id="3" name="Text Placeholder 2">
+            <a:extLst>
+              <a:ext uri="{FF2B5EF4-FFF2-40B4-BE49-F238E27FC236}">
+                <a16:creationId xmlns:a16="http://schemas.microsoft.com/office/drawing/2014/main" id="{5FC62FFE-EAB9-413E-B43E-213CB46D591B}"/>
+              </a:ext>
+            </a:extLst>
+          </p:cNvPr>
+          <p:cNvSpPr>
+            <a:spLocks noGrp="1"/>
+          </p:cNvSpPr>
+          <p:nvPr>
+            <p:ph type="body" sz="quarter" idx="10"/>
+          </p:nvPr>
+        </p:nvSpPr>
+        <p:spPr/>
+        <p:txBody>
+          <a:bodyPr/>
+          <a:lstStyle/>
+          <a:p>
+            <a:r>
+              <a:rPr lang="de-DE" sz="1600" dirty="0"/>
+              <a:t>Texterörterung von 1 wissenschaftliche Text (selbst ausgewählt)</a:t>
+            </a:r>
+          </a:p>
+          <a:p>
+            <a:r>
+              <a:rPr lang="de-DE" sz="1600" dirty="0"/>
+              <a:t>Zeitschriftenartikel oder Buchkapitel </a:t>
+            </a:r>
+          </a:p>
+          <a:p>
+            <a:r>
+              <a:rPr lang="de-DE" sz="1600" dirty="0"/>
+              <a:t>Bis 12 Seiten, zzgl. Gliederung, Literaturverzeichnis, Anhang</a:t>
+            </a:r>
+          </a:p>
+          <a:p>
+            <a:endParaRPr lang="de-DE" sz="1600" dirty="0"/>
+          </a:p>
+        </p:txBody>
+      </p:sp>
+    </p:spTree>
+    <p:extLst>
+      <p:ext uri="{BB962C8B-B14F-4D97-AF65-F5344CB8AC3E}">
+        <p14:creationId xmlns:p14="http://schemas.microsoft.com/office/powerpoint/2010/main" val="1272336503"/>
       </p:ext>
     </p:extLst>
   </p:cSld>
@@ -4961,26 +5021,9 @@
           <a:lstStyle/>
           <a:p>
             <a:r>
-              <a:rPr lang="de-DE" dirty="0" err="1"/>
-              <a:t>Naechste</a:t>
-            </a:r>
-            <a:r>
-              <a:rPr lang="en-US" dirty="0"/>
-              <a:t> </a:t>
-            </a:r>
-            <a:r>
-              <a:rPr lang="en-US" dirty="0" err="1"/>
-              <a:t>Woche</a:t>
-            </a:r>
-            <a:r>
-              <a:rPr lang="en-US" dirty="0"/>
-              <a:t>: </a:t>
-            </a:r>
-            <a:r>
-              <a:rPr lang="en-US" dirty="0" err="1"/>
-              <a:t>Textidentifikation</a:t>
-            </a:r>
-            <a:endParaRPr lang="en-US" dirty="0"/>
+              <a:rPr lang="de-DE" dirty="0"/>
+              <a:t>Nächste Woche: Textidentifikation</a:t>
+            </a:r>
           </a:p>
         </p:txBody>
       </p:sp>
@@ -5369,12 +5412,8 @@
               <a:buNone/>
             </a:pPr>
             <a:r>
-              <a:rPr lang="de-DE" sz="2400" dirty="0" err="1"/>
-              <a:t>Beschreieben</a:t>
-            </a:r>
-            <a:r>
               <a:rPr lang="de-DE" sz="2400" dirty="0"/>
-              <a:t> Sie spontan, was Ihnen zu den Begriffen in den Kopf kommt. (5‘ Gruppenarbeit, dann Plenum) </a:t>
+              <a:t>Beschreiben Sie spontan, was Ihnen zu den Begriffen in den Kopf kommt. (5‘ Gruppenarbeit, dann Plenum) </a:t>
             </a:r>
           </a:p>
           <a:p>
@@ -5431,7 +5470,7 @@
                   <a:schemeClr val="tx2"/>
                 </a:solidFill>
               </a:rPr>
-              <a:t>Wissenschaft</a:t>
+              <a:t>Methoden der Textanalyse</a:t>
             </a:r>
           </a:p>
         </p:txBody>
@@ -5504,6 +5543,156 @@
 </file>
 
 <file path=ppt/slides/slide5.xml><?xml version="1.0" encoding="utf-8"?>
+<p:sld xmlns:a="http://schemas.openxmlformats.org/drawingml/2006/main" xmlns:r="http://schemas.openxmlformats.org/officeDocument/2006/relationships" xmlns:p="http://schemas.openxmlformats.org/presentationml/2006/main">
+  <p:cSld>
+    <p:spTree>
+      <p:nvGrpSpPr>
+        <p:cNvPr id="1" name=""/>
+        <p:cNvGrpSpPr/>
+        <p:nvPr/>
+      </p:nvGrpSpPr>
+      <p:grpSpPr>
+        <a:xfrm>
+          <a:off x="0" y="0"/>
+          <a:ext cx="0" cy="0"/>
+          <a:chOff x="0" y="0"/>
+          <a:chExt cx="0" cy="0"/>
+        </a:xfrm>
+      </p:grpSpPr>
+      <p:sp>
+        <p:nvSpPr>
+          <p:cNvPr id="2" name="Title 1">
+            <a:extLst>
+              <a:ext uri="{FF2B5EF4-FFF2-40B4-BE49-F238E27FC236}">
+                <a16:creationId xmlns:a16="http://schemas.microsoft.com/office/drawing/2014/main" id="{17F0A889-FFCA-48B9-BA00-A6243B448291}"/>
+              </a:ext>
+            </a:extLst>
+          </p:cNvPr>
+          <p:cNvSpPr>
+            <a:spLocks noGrp="1"/>
+          </p:cNvSpPr>
+          <p:nvPr>
+            <p:ph type="title"/>
+          </p:nvPr>
+        </p:nvSpPr>
+        <p:spPr/>
+        <p:txBody>
+          <a:bodyPr/>
+          <a:lstStyle/>
+          <a:p>
+            <a:r>
+              <a:rPr lang="de-DE" dirty="0"/>
+              <a:t>Ziele der Veranstaltung (Modulhandbuch)</a:t>
+            </a:r>
+            <a:endParaRPr lang="en-US" dirty="0"/>
+          </a:p>
+        </p:txBody>
+      </p:sp>
+      <p:sp>
+        <p:nvSpPr>
+          <p:cNvPr id="3" name="Text Placeholder 2">
+            <a:extLst>
+              <a:ext uri="{FF2B5EF4-FFF2-40B4-BE49-F238E27FC236}">
+                <a16:creationId xmlns:a16="http://schemas.microsoft.com/office/drawing/2014/main" id="{95DC3179-E5AA-448B-868C-B3BA1F529EE5}"/>
+              </a:ext>
+            </a:extLst>
+          </p:cNvPr>
+          <p:cNvSpPr>
+            <a:spLocks noGrp="1"/>
+          </p:cNvSpPr>
+          <p:nvPr>
+            <p:ph type="body" sz="quarter" idx="10"/>
+          </p:nvPr>
+        </p:nvSpPr>
+        <p:spPr/>
+        <p:txBody>
+          <a:bodyPr/>
+          <a:lstStyle/>
+          <a:p>
+            <a:r>
+              <a:rPr lang="de-DE" sz="1800" dirty="0">
+                <a:latin typeface="+mj-lt"/>
+              </a:rPr>
+              <a:t>Inhalt: </a:t>
+            </a:r>
+          </a:p>
+          <a:p>
+            <a:pPr lvl="1">
+              <a:buFont typeface="Arial" panose="020B0604020202020204" pitchFamily="34" charset="0"/>
+              <a:buChar char="•"/>
+            </a:pPr>
+            <a:r>
+              <a:rPr lang="de-DE" sz="1800" dirty="0">
+                <a:latin typeface="+mj-lt"/>
+              </a:rPr>
+              <a:t>Methoden der wissenschaftlichen Textinterpretation (inklusive der Gestaltung von wissenschaftlichen Texten).</a:t>
+            </a:r>
+          </a:p>
+          <a:p>
+            <a:r>
+              <a:rPr lang="de-DE" sz="1800" dirty="0">
+                <a:latin typeface="+mj-lt"/>
+              </a:rPr>
+              <a:t>Kompetenzen: Die Studierenden</a:t>
+            </a:r>
+          </a:p>
+          <a:p>
+            <a:pPr lvl="1">
+              <a:buFont typeface="Arial" panose="020B0604020202020204" pitchFamily="34" charset="0"/>
+              <a:buChar char="•"/>
+            </a:pPr>
+            <a:r>
+              <a:rPr lang="de-DE" sz="1800" dirty="0">
+                <a:latin typeface="+mj-lt"/>
+              </a:rPr>
+              <a:t>sind in der Lage, in begründeter Form wissenschaftliches Wissen von Alltagswissen zu unterscheiden,</a:t>
+            </a:r>
+          </a:p>
+          <a:p>
+            <a:pPr lvl="1">
+              <a:buFont typeface="Arial" panose="020B0604020202020204" pitchFamily="34" charset="0"/>
+              <a:buChar char="•"/>
+            </a:pPr>
+            <a:r>
+              <a:rPr lang="de-DE" sz="1800" dirty="0">
+                <a:latin typeface="+mj-lt"/>
+              </a:rPr>
+              <a:t>können basale Techniken des wissenschaftlichen Arbeitens anwenden und kennen die Regeln des Umgangs mit wissenschaftlichen Texten,</a:t>
+            </a:r>
+          </a:p>
+          <a:p>
+            <a:pPr lvl="1">
+              <a:buFont typeface="Arial" panose="020B0604020202020204" pitchFamily="34" charset="0"/>
+              <a:buChar char="•"/>
+            </a:pPr>
+            <a:r>
+              <a:rPr lang="de-DE" sz="1800" dirty="0">
+                <a:latin typeface="+mj-lt"/>
+              </a:rPr>
+              <a:t>können wissenschaftliche Texte lesen, analysieren und die Ergebnisse der Analyse in eine angemessene schriftliche Form bringen.</a:t>
+            </a:r>
+          </a:p>
+          <a:p>
+            <a:endParaRPr lang="en-US" sz="1800" dirty="0">
+              <a:latin typeface="+mj-lt"/>
+            </a:endParaRPr>
+          </a:p>
+        </p:txBody>
+      </p:sp>
+    </p:spTree>
+    <p:extLst>
+      <p:ext uri="{BB962C8B-B14F-4D97-AF65-F5344CB8AC3E}">
+        <p14:creationId xmlns:p14="http://schemas.microsoft.com/office/powerpoint/2010/main" val="3226607736"/>
+      </p:ext>
+    </p:extLst>
+  </p:cSld>
+  <p:clrMapOvr>
+    <a:masterClrMapping/>
+  </p:clrMapOvr>
+</p:sld>
+</file>
+
+<file path=ppt/slides/slide6.xml><?xml version="1.0" encoding="utf-8"?>
 <p:sld xmlns:a="http://schemas.openxmlformats.org/drawingml/2006/main" xmlns:r="http://schemas.openxmlformats.org/officeDocument/2006/relationships" xmlns:p="http://schemas.openxmlformats.org/presentationml/2006/main">
   <p:cSld>
     <p:spTree>
@@ -5922,7 +6111,7 @@
 </p:sld>
 </file>
 
-<file path=ppt/slides/slide6.xml><?xml version="1.0" encoding="utf-8"?>
+<file path=ppt/slides/slide7.xml><?xml version="1.0" encoding="utf-8"?>
 <p:sld xmlns:a="http://schemas.openxmlformats.org/drawingml/2006/main" xmlns:r="http://schemas.openxmlformats.org/officeDocument/2006/relationships" xmlns:p="http://schemas.openxmlformats.org/presentationml/2006/main">
   <p:cSld>
     <p:spTree>
@@ -6075,7 +6264,7 @@
 </p:sld>
 </file>
 
-<file path=ppt/slides/slide7.xml><?xml version="1.0" encoding="utf-8"?>
+<file path=ppt/slides/slide8.xml><?xml version="1.0" encoding="utf-8"?>
 <p:sld xmlns:a="http://schemas.openxmlformats.org/drawingml/2006/main" xmlns:r="http://schemas.openxmlformats.org/officeDocument/2006/relationships" xmlns:p="http://schemas.openxmlformats.org/presentationml/2006/main">
   <p:cSld>
     <p:spTree>
@@ -6228,7 +6417,7 @@
 </p:sld>
 </file>
 
-<file path=ppt/slides/slide8.xml><?xml version="1.0" encoding="utf-8"?>
+<file path=ppt/slides/slide9.xml><?xml version="1.0" encoding="utf-8"?>
 <p:sld xmlns:a="http://schemas.openxmlformats.org/drawingml/2006/main" xmlns:r="http://schemas.openxmlformats.org/officeDocument/2006/relationships" xmlns:p="http://schemas.openxmlformats.org/presentationml/2006/main">
   <p:cSld>
     <p:spTree>
@@ -6359,201 +6548,6 @@
     <p:extLst>
       <p:ext uri="{BB962C8B-B14F-4D97-AF65-F5344CB8AC3E}">
         <p14:creationId xmlns:p14="http://schemas.microsoft.com/office/powerpoint/2010/main" val="2134140624"/>
-      </p:ext>
-    </p:extLst>
-  </p:cSld>
-  <p:clrMapOvr>
-    <a:masterClrMapping/>
-  </p:clrMapOvr>
-</p:sld>
-</file>
-
-<file path=ppt/slides/slide9.xml><?xml version="1.0" encoding="utf-8"?>
-<p:sld xmlns:a="http://schemas.openxmlformats.org/drawingml/2006/main" xmlns:r="http://schemas.openxmlformats.org/officeDocument/2006/relationships" xmlns:p="http://schemas.openxmlformats.org/presentationml/2006/main">
-  <p:cSld>
-    <p:spTree>
-      <p:nvGrpSpPr>
-        <p:cNvPr id="1" name=""/>
-        <p:cNvGrpSpPr/>
-        <p:nvPr/>
-      </p:nvGrpSpPr>
-      <p:grpSpPr>
-        <a:xfrm>
-          <a:off x="0" y="0"/>
-          <a:ext cx="0" cy="0"/>
-          <a:chOff x="0" y="0"/>
-          <a:chExt cx="0" cy="0"/>
-        </a:xfrm>
-      </p:grpSpPr>
-      <p:sp>
-        <p:nvSpPr>
-          <p:cNvPr id="2" name="Title 1">
-            <a:extLst>
-              <a:ext uri="{FF2B5EF4-FFF2-40B4-BE49-F238E27FC236}">
-                <a16:creationId xmlns:a16="http://schemas.microsoft.com/office/drawing/2014/main" id="{ADD39CE0-5EB7-4FD8-B75E-7DD311B9F003}"/>
-              </a:ext>
-            </a:extLst>
-          </p:cNvPr>
-          <p:cNvSpPr>
-            <a:spLocks noGrp="1"/>
-          </p:cNvSpPr>
-          <p:nvPr>
-            <p:ph type="title"/>
-          </p:nvPr>
-        </p:nvSpPr>
-        <p:spPr/>
-        <p:txBody>
-          <a:bodyPr/>
-          <a:lstStyle/>
-          <a:p>
-            <a:r>
-              <a:rPr lang="de-DE" dirty="0"/>
-              <a:t>Definition Wissenschaftliche Forschung</a:t>
-            </a:r>
-            <a:endParaRPr lang="en-US" dirty="0"/>
-          </a:p>
-        </p:txBody>
-      </p:sp>
-      <p:sp>
-        <p:nvSpPr>
-          <p:cNvPr id="3" name="Text Placeholder 2">
-            <a:extLst>
-              <a:ext uri="{FF2B5EF4-FFF2-40B4-BE49-F238E27FC236}">
-                <a16:creationId xmlns:a16="http://schemas.microsoft.com/office/drawing/2014/main" id="{66DD6443-9856-4258-97D5-C2081C696FD7}"/>
-              </a:ext>
-            </a:extLst>
-          </p:cNvPr>
-          <p:cNvSpPr>
-            <a:spLocks noGrp="1"/>
-          </p:cNvSpPr>
-          <p:nvPr>
-            <p:ph type="body" sz="quarter" idx="10"/>
-          </p:nvPr>
-        </p:nvSpPr>
-        <p:spPr/>
-        <p:txBody>
-          <a:bodyPr/>
-          <a:lstStyle/>
-          <a:p>
-            <a:pPr marL="0" indent="0">
-              <a:buNone/>
-            </a:pPr>
-            <a:r>
-              <a:rPr lang="de-DE" sz="1800" dirty="0"/>
-              <a:t>„Wer wissenschaftliche Forschung betreibt, sucht mithilfe </a:t>
-            </a:r>
-            <a:r>
-              <a:rPr lang="de-DE" sz="1800" dirty="0">
-                <a:solidFill>
-                  <a:schemeClr val="tx2"/>
-                </a:solidFill>
-              </a:rPr>
-              <a:t>anerkannter wissenschaftlicher Methoden </a:t>
-            </a:r>
-            <a:r>
-              <a:rPr lang="de-DE" sz="1800" dirty="0"/>
-              <a:t>und Methodologie auf der Basis des bisherigen </a:t>
-            </a:r>
-            <a:r>
-              <a:rPr lang="de-DE" sz="1800" dirty="0">
-                <a:solidFill>
-                  <a:schemeClr val="tx2"/>
-                </a:solidFill>
-              </a:rPr>
-              <a:t>Forschungsstandes </a:t>
-            </a:r>
-            <a:r>
-              <a:rPr lang="de-DE" sz="1800" dirty="0"/>
-              <a:t>(d.h. vorliegender Theorien und empirischer Befunde) </a:t>
-            </a:r>
-            <a:r>
-              <a:rPr lang="de-DE" sz="1800" dirty="0">
-                <a:solidFill>
-                  <a:schemeClr val="tx2"/>
-                </a:solidFill>
-              </a:rPr>
-              <a:t>zielgerichtet</a:t>
-            </a:r>
-            <a:r>
-              <a:rPr lang="de-DE" sz="1800" dirty="0"/>
-              <a:t> nach gesicherten </a:t>
-            </a:r>
-            <a:r>
-              <a:rPr lang="de-DE" sz="1800" dirty="0">
-                <a:solidFill>
-                  <a:schemeClr val="tx2"/>
-                </a:solidFill>
-              </a:rPr>
-              <a:t>neuen Erkenntnissen</a:t>
-            </a:r>
-            <a:r>
-              <a:rPr lang="de-DE" sz="1800" dirty="0"/>
-              <a:t>, </a:t>
-            </a:r>
-            <a:r>
-              <a:rPr lang="de-DE" sz="1800" dirty="0">
-                <a:solidFill>
-                  <a:schemeClr val="tx2"/>
-                </a:solidFill>
-              </a:rPr>
-              <a:t>dokumentiert</a:t>
-            </a:r>
-            <a:r>
-              <a:rPr lang="de-DE" sz="1800" dirty="0"/>
-              <a:t> den Forschungsprozess sowie dessen Ergebnisse in </a:t>
-            </a:r>
-            <a:r>
-              <a:rPr lang="de-DE" sz="1800" dirty="0">
-                <a:solidFill>
-                  <a:schemeClr val="tx2"/>
-                </a:solidFill>
-              </a:rPr>
-              <a:t>nachvollziehbarer</a:t>
-            </a:r>
-            <a:r>
-              <a:rPr lang="de-DE" sz="1800" dirty="0"/>
-              <a:t> Weise und stellt die Studien in </a:t>
-            </a:r>
-            <a:r>
-              <a:rPr lang="de-DE" sz="1800" dirty="0">
-                <a:solidFill>
-                  <a:schemeClr val="tx2"/>
-                </a:solidFill>
-              </a:rPr>
-              <a:t>Vorträgen</a:t>
-            </a:r>
-            <a:r>
-              <a:rPr lang="de-DE" sz="1800" dirty="0"/>
-              <a:t> und </a:t>
-            </a:r>
-            <a:r>
-              <a:rPr lang="de-DE" sz="1800" dirty="0">
-                <a:solidFill>
-                  <a:schemeClr val="tx2"/>
-                </a:solidFill>
-              </a:rPr>
-              <a:t>Publikationen</a:t>
-            </a:r>
-            <a:r>
-              <a:rPr lang="de-DE" sz="1800" dirty="0"/>
-              <a:t> der Fachöffentlichkeit vor“</a:t>
-            </a:r>
-          </a:p>
-          <a:p>
-            <a:pPr marL="0" indent="0" algn="r">
-              <a:buNone/>
-            </a:pPr>
-            <a:r>
-              <a:rPr lang="de-DE" sz="1400" dirty="0"/>
-              <a:t>Döring &amp; Bortz, 2016, S. 7</a:t>
-            </a:r>
-          </a:p>
-        </p:txBody>
-      </p:sp>
-    </p:spTree>
-    <p:extLst>
-      <p:ext uri="{BB962C8B-B14F-4D97-AF65-F5344CB8AC3E}">
-        <p14:creationId xmlns:p14="http://schemas.microsoft.com/office/powerpoint/2010/main" val="1345230961"/>
       </p:ext>
     </p:extLst>
   </p:cSld>
